--- a/start.pptx
+++ b/start.pptx
@@ -9,6 +9,12 @@
     <p:sldId id="257" r:id="rId3"/>
     <p:sldId id="258" r:id="rId4"/>
     <p:sldId id="259" r:id="rId5"/>
+    <p:sldId id="260" r:id="rId6"/>
+    <p:sldId id="261" r:id="rId7"/>
+    <p:sldId id="262" r:id="rId8"/>
+    <p:sldId id="263" r:id="rId9"/>
+    <p:sldId id="264" r:id="rId10"/>
+    <p:sldId id="265" r:id="rId11"/>
   </p:sldIdLst>
   <p:sldSz cx="9144000" cy="6858000" type="screen4x3"/>
   <p:notesSz cx="6858000" cy="9144000"/>
@@ -292,7 +298,7 @@
             <a:fld id="{BA8ED0B4-493D-4700-8A87-962DCA997C6C}" type="datetimeFigureOut">
               <a:rPr lang="pl-PL" smtClean="0"/>
               <a:pPr/>
-              <a:t>15.12.2020</a:t>
+              <a:t>16.12.2020</a:t>
             </a:fld>
             <a:endParaRPr lang="pl-PL"/>
           </a:p>
@@ -459,7 +465,7 @@
             <a:fld id="{BA8ED0B4-493D-4700-8A87-962DCA997C6C}" type="datetimeFigureOut">
               <a:rPr lang="pl-PL" smtClean="0"/>
               <a:pPr/>
-              <a:t>15.12.2020</a:t>
+              <a:t>16.12.2020</a:t>
             </a:fld>
             <a:endParaRPr lang="pl-PL"/>
           </a:p>
@@ -636,7 +642,7 @@
             <a:fld id="{BA8ED0B4-493D-4700-8A87-962DCA997C6C}" type="datetimeFigureOut">
               <a:rPr lang="pl-PL" smtClean="0"/>
               <a:pPr/>
-              <a:t>15.12.2020</a:t>
+              <a:t>16.12.2020</a:t>
             </a:fld>
             <a:endParaRPr lang="pl-PL"/>
           </a:p>
@@ -803,7 +809,7 @@
             <a:fld id="{BA8ED0B4-493D-4700-8A87-962DCA997C6C}" type="datetimeFigureOut">
               <a:rPr lang="pl-PL" smtClean="0"/>
               <a:pPr/>
-              <a:t>15.12.2020</a:t>
+              <a:t>16.12.2020</a:t>
             </a:fld>
             <a:endParaRPr lang="pl-PL"/>
           </a:p>
@@ -1046,7 +1052,7 @@
             <a:fld id="{BA8ED0B4-493D-4700-8A87-962DCA997C6C}" type="datetimeFigureOut">
               <a:rPr lang="pl-PL" smtClean="0"/>
               <a:pPr/>
-              <a:t>15.12.2020</a:t>
+              <a:t>16.12.2020</a:t>
             </a:fld>
             <a:endParaRPr lang="pl-PL"/>
           </a:p>
@@ -1331,7 +1337,7 @@
             <a:fld id="{BA8ED0B4-493D-4700-8A87-962DCA997C6C}" type="datetimeFigureOut">
               <a:rPr lang="pl-PL" smtClean="0"/>
               <a:pPr/>
-              <a:t>15.12.2020</a:t>
+              <a:t>16.12.2020</a:t>
             </a:fld>
             <a:endParaRPr lang="pl-PL"/>
           </a:p>
@@ -1750,7 +1756,7 @@
             <a:fld id="{BA8ED0B4-493D-4700-8A87-962DCA997C6C}" type="datetimeFigureOut">
               <a:rPr lang="pl-PL" smtClean="0"/>
               <a:pPr/>
-              <a:t>15.12.2020</a:t>
+              <a:t>16.12.2020</a:t>
             </a:fld>
             <a:endParaRPr lang="pl-PL"/>
           </a:p>
@@ -1865,7 +1871,7 @@
             <a:fld id="{BA8ED0B4-493D-4700-8A87-962DCA997C6C}" type="datetimeFigureOut">
               <a:rPr lang="pl-PL" smtClean="0"/>
               <a:pPr/>
-              <a:t>15.12.2020</a:t>
+              <a:t>16.12.2020</a:t>
             </a:fld>
             <a:endParaRPr lang="pl-PL"/>
           </a:p>
@@ -1957,7 +1963,7 @@
             <a:fld id="{BA8ED0B4-493D-4700-8A87-962DCA997C6C}" type="datetimeFigureOut">
               <a:rPr lang="pl-PL" smtClean="0"/>
               <a:pPr/>
-              <a:t>15.12.2020</a:t>
+              <a:t>16.12.2020</a:t>
             </a:fld>
             <a:endParaRPr lang="pl-PL"/>
           </a:p>
@@ -2231,7 +2237,7 @@
             <a:fld id="{BA8ED0B4-493D-4700-8A87-962DCA997C6C}" type="datetimeFigureOut">
               <a:rPr lang="pl-PL" smtClean="0"/>
               <a:pPr/>
-              <a:t>15.12.2020</a:t>
+              <a:t>16.12.2020</a:t>
             </a:fld>
             <a:endParaRPr lang="pl-PL"/>
           </a:p>
@@ -2481,7 +2487,7 @@
             <a:fld id="{BA8ED0B4-493D-4700-8A87-962DCA997C6C}" type="datetimeFigureOut">
               <a:rPr lang="pl-PL" smtClean="0"/>
               <a:pPr/>
-              <a:t>15.12.2020</a:t>
+              <a:t>16.12.2020</a:t>
             </a:fld>
             <a:endParaRPr lang="pl-PL"/>
           </a:p>
@@ -2691,7 +2697,7 @@
             <a:fld id="{BA8ED0B4-493D-4700-8A87-962DCA997C6C}" type="datetimeFigureOut">
               <a:rPr lang="pl-PL" smtClean="0"/>
               <a:pPr/>
-              <a:t>15.12.2020</a:t>
+              <a:t>16.12.2020</a:t>
             </a:fld>
             <a:endParaRPr lang="pl-PL"/>
           </a:p>
@@ -3074,14 +3080,16 @@
         </p:nvSpPr>
         <p:spPr/>
         <p:txBody>
-          <a:bodyPr/>
-          <a:lstStyle/>
-          <a:p>
-            <a:r>
-              <a:rPr lang="pl-PL" dirty="0" smtClean="0"/>
+          <a:bodyPr>
+            <a:noAutofit/>
+          </a:bodyPr>
+          <a:lstStyle/>
+          <a:p>
+            <a:r>
+              <a:rPr lang="pl-PL" sz="9600" dirty="0" smtClean="0"/>
               <a:t>start</a:t>
             </a:r>
-            <a:endParaRPr lang="pl-PL" dirty="0"/>
+            <a:endParaRPr lang="pl-PL" sz="9600" dirty="0"/>
           </a:p>
         </p:txBody>
       </p:sp>
@@ -3093,6 +3101,79 @@
           </p:cNvSpPr>
           <p:nvPr>
             <p:ph type="subTitle" idx="1"/>
+          </p:nvPr>
+        </p:nvSpPr>
+        <p:spPr/>
+        <p:txBody>
+          <a:bodyPr/>
+          <a:lstStyle/>
+          <a:p>
+            <a:endParaRPr lang="pl-PL"/>
+          </a:p>
+        </p:txBody>
+      </p:sp>
+    </p:spTree>
+  </p:cSld>
+  <p:clrMapOvr>
+    <a:masterClrMapping/>
+  </p:clrMapOvr>
+</p:sld>
+</file>
+
+<file path=ppt/slides/slide10.xml><?xml version="1.0" encoding="utf-8"?>
+<p:sld xmlns:a="http://schemas.openxmlformats.org/drawingml/2006/main" xmlns:r="http://schemas.openxmlformats.org/officeDocument/2006/relationships" xmlns:p="http://schemas.openxmlformats.org/presentationml/2006/main">
+  <p:cSld>
+    <p:spTree>
+      <p:nvGrpSpPr>
+        <p:cNvPr id="1" name=""/>
+        <p:cNvGrpSpPr/>
+        <p:nvPr/>
+      </p:nvGrpSpPr>
+      <p:grpSpPr>
+        <a:xfrm>
+          <a:off x="0" y="0"/>
+          <a:ext cx="0" cy="0"/>
+          <a:chOff x="0" y="0"/>
+          <a:chExt cx="0" cy="0"/>
+        </a:xfrm>
+      </p:grpSpPr>
+      <p:sp>
+        <p:nvSpPr>
+          <p:cNvPr id="2" name="Tytuł 1"/>
+          <p:cNvSpPr>
+            <a:spLocks noGrp="1"/>
+          </p:cNvSpPr>
+          <p:nvPr>
+            <p:ph type="title"/>
+          </p:nvPr>
+        </p:nvSpPr>
+        <p:spPr/>
+        <p:txBody>
+          <a:bodyPr>
+            <a:noAutofit/>
+          </a:bodyPr>
+          <a:lstStyle/>
+          <a:p>
+            <a:r>
+              <a:rPr lang="pl-PL" sz="7200" dirty="0" smtClean="0"/>
+              <a:t>10 </a:t>
+            </a:r>
+            <a:r>
+              <a:rPr lang="pl-PL" sz="7200" dirty="0" smtClean="0"/>
+              <a:t>slajd</a:t>
+            </a:r>
+            <a:endParaRPr lang="pl-PL" sz="7200" dirty="0"/>
+          </a:p>
+        </p:txBody>
+      </p:sp>
+      <p:sp>
+        <p:nvSpPr>
+          <p:cNvPr id="3" name="Symbol zastępczy zawartości 2"/>
+          <p:cNvSpPr>
+            <a:spLocks noGrp="1"/>
+          </p:cNvSpPr>
+          <p:nvPr>
+            <p:ph idx="1"/>
           </p:nvPr>
         </p:nvSpPr>
         <p:spPr/>
@@ -3141,33 +3222,35 @@
         </p:nvSpPr>
         <p:spPr/>
         <p:txBody>
-          <a:bodyPr/>
-          <a:lstStyle/>
-          <a:p>
-            <a:r>
-              <a:rPr lang="pl-PL" dirty="0" smtClean="0"/>
+          <a:bodyPr>
+            <a:noAutofit/>
+          </a:bodyPr>
+          <a:lstStyle/>
+          <a:p>
+            <a:r>
+              <a:rPr lang="pl-PL" sz="7200" dirty="0" smtClean="0"/>
               <a:t>2 slajd</a:t>
             </a:r>
+            <a:endParaRPr lang="pl-PL" sz="7200" dirty="0"/>
+          </a:p>
+        </p:txBody>
+      </p:sp>
+      <p:sp>
+        <p:nvSpPr>
+          <p:cNvPr id="3" name="Symbol zastępczy zawartości 2"/>
+          <p:cNvSpPr>
+            <a:spLocks noGrp="1"/>
+          </p:cNvSpPr>
+          <p:nvPr>
+            <p:ph idx="1"/>
+          </p:nvPr>
+        </p:nvSpPr>
+        <p:spPr/>
+        <p:txBody>
+          <a:bodyPr/>
+          <a:lstStyle/>
+          <a:p>
             <a:endParaRPr lang="pl-PL" dirty="0"/>
-          </a:p>
-        </p:txBody>
-      </p:sp>
-      <p:sp>
-        <p:nvSpPr>
-          <p:cNvPr id="3" name="Symbol zastępczy zawartości 2"/>
-          <p:cNvSpPr>
-            <a:spLocks noGrp="1"/>
-          </p:cNvSpPr>
-          <p:nvPr>
-            <p:ph idx="1"/>
-          </p:nvPr>
-        </p:nvSpPr>
-        <p:spPr/>
-        <p:txBody>
-          <a:bodyPr/>
-          <a:lstStyle/>
-          <a:p>
-            <a:endParaRPr lang="pl-PL"/>
           </a:p>
         </p:txBody>
       </p:sp>
@@ -3208,14 +3291,16 @@
         </p:nvSpPr>
         <p:spPr/>
         <p:txBody>
-          <a:bodyPr/>
-          <a:lstStyle/>
-          <a:p>
-            <a:r>
-              <a:rPr lang="pl-PL" dirty="0" smtClean="0"/>
+          <a:bodyPr>
+            <a:noAutofit/>
+          </a:bodyPr>
+          <a:lstStyle/>
+          <a:p>
+            <a:r>
+              <a:rPr lang="pl-PL" sz="7200" dirty="0" smtClean="0"/>
               <a:t>3 slajd</a:t>
             </a:r>
-            <a:endParaRPr lang="pl-PL" dirty="0"/>
+            <a:endParaRPr lang="pl-PL" sz="7200" dirty="0"/>
           </a:p>
         </p:txBody>
       </p:sp>
@@ -3275,14 +3360,381 @@
         </p:nvSpPr>
         <p:spPr/>
         <p:txBody>
-          <a:bodyPr/>
-          <a:lstStyle/>
-          <a:p>
-            <a:r>
-              <a:rPr lang="pl-PL" dirty="0" smtClean="0"/>
+          <a:bodyPr>
+            <a:noAutofit/>
+          </a:bodyPr>
+          <a:lstStyle/>
+          <a:p>
+            <a:r>
+              <a:rPr lang="pl-PL" sz="7200" dirty="0" smtClean="0"/>
               <a:t>4 slajd</a:t>
             </a:r>
-            <a:endParaRPr lang="pl-PL" dirty="0"/>
+            <a:endParaRPr lang="pl-PL" sz="7200" dirty="0"/>
+          </a:p>
+        </p:txBody>
+      </p:sp>
+      <p:sp>
+        <p:nvSpPr>
+          <p:cNvPr id="3" name="Symbol zastępczy zawartości 2"/>
+          <p:cNvSpPr>
+            <a:spLocks noGrp="1"/>
+          </p:cNvSpPr>
+          <p:nvPr>
+            <p:ph idx="1"/>
+          </p:nvPr>
+        </p:nvSpPr>
+        <p:spPr/>
+        <p:txBody>
+          <a:bodyPr/>
+          <a:lstStyle/>
+          <a:p>
+            <a:endParaRPr lang="pl-PL"/>
+          </a:p>
+        </p:txBody>
+      </p:sp>
+    </p:spTree>
+  </p:cSld>
+  <p:clrMapOvr>
+    <a:masterClrMapping/>
+  </p:clrMapOvr>
+</p:sld>
+</file>
+
+<file path=ppt/slides/slide5.xml><?xml version="1.0" encoding="utf-8"?>
+<p:sld xmlns:a="http://schemas.openxmlformats.org/drawingml/2006/main" xmlns:r="http://schemas.openxmlformats.org/officeDocument/2006/relationships" xmlns:p="http://schemas.openxmlformats.org/presentationml/2006/main">
+  <p:cSld>
+    <p:spTree>
+      <p:nvGrpSpPr>
+        <p:cNvPr id="1" name=""/>
+        <p:cNvGrpSpPr/>
+        <p:nvPr/>
+      </p:nvGrpSpPr>
+      <p:grpSpPr>
+        <a:xfrm>
+          <a:off x="0" y="0"/>
+          <a:ext cx="0" cy="0"/>
+          <a:chOff x="0" y="0"/>
+          <a:chExt cx="0" cy="0"/>
+        </a:xfrm>
+      </p:grpSpPr>
+      <p:sp>
+        <p:nvSpPr>
+          <p:cNvPr id="2" name="Tytuł 1"/>
+          <p:cNvSpPr>
+            <a:spLocks noGrp="1"/>
+          </p:cNvSpPr>
+          <p:nvPr>
+            <p:ph type="title"/>
+          </p:nvPr>
+        </p:nvSpPr>
+        <p:spPr/>
+        <p:txBody>
+          <a:bodyPr>
+            <a:noAutofit/>
+          </a:bodyPr>
+          <a:lstStyle/>
+          <a:p>
+            <a:r>
+              <a:rPr lang="pl-PL" sz="7200" dirty="0" smtClean="0"/>
+              <a:t>5 </a:t>
+            </a:r>
+            <a:r>
+              <a:rPr lang="pl-PL" sz="7200" dirty="0" smtClean="0"/>
+              <a:t>slajd</a:t>
+            </a:r>
+            <a:endParaRPr lang="pl-PL" sz="7200" dirty="0"/>
+          </a:p>
+        </p:txBody>
+      </p:sp>
+      <p:sp>
+        <p:nvSpPr>
+          <p:cNvPr id="3" name="Symbol zastępczy zawartości 2"/>
+          <p:cNvSpPr>
+            <a:spLocks noGrp="1"/>
+          </p:cNvSpPr>
+          <p:nvPr>
+            <p:ph idx="1"/>
+          </p:nvPr>
+        </p:nvSpPr>
+        <p:spPr/>
+        <p:txBody>
+          <a:bodyPr/>
+          <a:lstStyle/>
+          <a:p>
+            <a:endParaRPr lang="pl-PL"/>
+          </a:p>
+        </p:txBody>
+      </p:sp>
+    </p:spTree>
+  </p:cSld>
+  <p:clrMapOvr>
+    <a:masterClrMapping/>
+  </p:clrMapOvr>
+</p:sld>
+</file>
+
+<file path=ppt/slides/slide6.xml><?xml version="1.0" encoding="utf-8"?>
+<p:sld xmlns:a="http://schemas.openxmlformats.org/drawingml/2006/main" xmlns:r="http://schemas.openxmlformats.org/officeDocument/2006/relationships" xmlns:p="http://schemas.openxmlformats.org/presentationml/2006/main">
+  <p:cSld>
+    <p:spTree>
+      <p:nvGrpSpPr>
+        <p:cNvPr id="1" name=""/>
+        <p:cNvGrpSpPr/>
+        <p:nvPr/>
+      </p:nvGrpSpPr>
+      <p:grpSpPr>
+        <a:xfrm>
+          <a:off x="0" y="0"/>
+          <a:ext cx="0" cy="0"/>
+          <a:chOff x="0" y="0"/>
+          <a:chExt cx="0" cy="0"/>
+        </a:xfrm>
+      </p:grpSpPr>
+      <p:sp>
+        <p:nvSpPr>
+          <p:cNvPr id="2" name="Tytuł 1"/>
+          <p:cNvSpPr>
+            <a:spLocks noGrp="1"/>
+          </p:cNvSpPr>
+          <p:nvPr>
+            <p:ph type="title"/>
+          </p:nvPr>
+        </p:nvSpPr>
+        <p:spPr/>
+        <p:txBody>
+          <a:bodyPr>
+            <a:noAutofit/>
+          </a:bodyPr>
+          <a:lstStyle/>
+          <a:p>
+            <a:r>
+              <a:rPr lang="pl-PL" sz="7200" dirty="0" smtClean="0"/>
+              <a:t>6 </a:t>
+            </a:r>
+            <a:r>
+              <a:rPr lang="pl-PL" sz="7200" dirty="0" smtClean="0"/>
+              <a:t>slajd</a:t>
+            </a:r>
+            <a:endParaRPr lang="pl-PL" sz="7200" dirty="0"/>
+          </a:p>
+        </p:txBody>
+      </p:sp>
+      <p:sp>
+        <p:nvSpPr>
+          <p:cNvPr id="3" name="Symbol zastępczy zawartości 2"/>
+          <p:cNvSpPr>
+            <a:spLocks noGrp="1"/>
+          </p:cNvSpPr>
+          <p:nvPr>
+            <p:ph idx="1"/>
+          </p:nvPr>
+        </p:nvSpPr>
+        <p:spPr/>
+        <p:txBody>
+          <a:bodyPr/>
+          <a:lstStyle/>
+          <a:p>
+            <a:endParaRPr lang="pl-PL"/>
+          </a:p>
+        </p:txBody>
+      </p:sp>
+    </p:spTree>
+  </p:cSld>
+  <p:clrMapOvr>
+    <a:masterClrMapping/>
+  </p:clrMapOvr>
+</p:sld>
+</file>
+
+<file path=ppt/slides/slide7.xml><?xml version="1.0" encoding="utf-8"?>
+<p:sld xmlns:a="http://schemas.openxmlformats.org/drawingml/2006/main" xmlns:r="http://schemas.openxmlformats.org/officeDocument/2006/relationships" xmlns:p="http://schemas.openxmlformats.org/presentationml/2006/main">
+  <p:cSld>
+    <p:spTree>
+      <p:nvGrpSpPr>
+        <p:cNvPr id="1" name=""/>
+        <p:cNvGrpSpPr/>
+        <p:nvPr/>
+      </p:nvGrpSpPr>
+      <p:grpSpPr>
+        <a:xfrm>
+          <a:off x="0" y="0"/>
+          <a:ext cx="0" cy="0"/>
+          <a:chOff x="0" y="0"/>
+          <a:chExt cx="0" cy="0"/>
+        </a:xfrm>
+      </p:grpSpPr>
+      <p:sp>
+        <p:nvSpPr>
+          <p:cNvPr id="2" name="Tytuł 1"/>
+          <p:cNvSpPr>
+            <a:spLocks noGrp="1"/>
+          </p:cNvSpPr>
+          <p:nvPr>
+            <p:ph type="title"/>
+          </p:nvPr>
+        </p:nvSpPr>
+        <p:spPr/>
+        <p:txBody>
+          <a:bodyPr>
+            <a:noAutofit/>
+          </a:bodyPr>
+          <a:lstStyle/>
+          <a:p>
+            <a:r>
+              <a:rPr lang="pl-PL" sz="7200" dirty="0" smtClean="0"/>
+              <a:t>7 </a:t>
+            </a:r>
+            <a:r>
+              <a:rPr lang="pl-PL" sz="7200" dirty="0" smtClean="0"/>
+              <a:t>slajd</a:t>
+            </a:r>
+            <a:endParaRPr lang="pl-PL" sz="7200" dirty="0"/>
+          </a:p>
+        </p:txBody>
+      </p:sp>
+      <p:sp>
+        <p:nvSpPr>
+          <p:cNvPr id="3" name="Symbol zastępczy zawartości 2"/>
+          <p:cNvSpPr>
+            <a:spLocks noGrp="1"/>
+          </p:cNvSpPr>
+          <p:nvPr>
+            <p:ph idx="1"/>
+          </p:nvPr>
+        </p:nvSpPr>
+        <p:spPr/>
+        <p:txBody>
+          <a:bodyPr/>
+          <a:lstStyle/>
+          <a:p>
+            <a:endParaRPr lang="pl-PL"/>
+          </a:p>
+        </p:txBody>
+      </p:sp>
+    </p:spTree>
+  </p:cSld>
+  <p:clrMapOvr>
+    <a:masterClrMapping/>
+  </p:clrMapOvr>
+</p:sld>
+</file>
+
+<file path=ppt/slides/slide8.xml><?xml version="1.0" encoding="utf-8"?>
+<p:sld xmlns:a="http://schemas.openxmlformats.org/drawingml/2006/main" xmlns:r="http://schemas.openxmlformats.org/officeDocument/2006/relationships" xmlns:p="http://schemas.openxmlformats.org/presentationml/2006/main">
+  <p:cSld>
+    <p:spTree>
+      <p:nvGrpSpPr>
+        <p:cNvPr id="1" name=""/>
+        <p:cNvGrpSpPr/>
+        <p:nvPr/>
+      </p:nvGrpSpPr>
+      <p:grpSpPr>
+        <a:xfrm>
+          <a:off x="0" y="0"/>
+          <a:ext cx="0" cy="0"/>
+          <a:chOff x="0" y="0"/>
+          <a:chExt cx="0" cy="0"/>
+        </a:xfrm>
+      </p:grpSpPr>
+      <p:sp>
+        <p:nvSpPr>
+          <p:cNvPr id="2" name="Tytuł 1"/>
+          <p:cNvSpPr>
+            <a:spLocks noGrp="1"/>
+          </p:cNvSpPr>
+          <p:nvPr>
+            <p:ph type="title"/>
+          </p:nvPr>
+        </p:nvSpPr>
+        <p:spPr/>
+        <p:txBody>
+          <a:bodyPr>
+            <a:noAutofit/>
+          </a:bodyPr>
+          <a:lstStyle/>
+          <a:p>
+            <a:r>
+              <a:rPr lang="pl-PL" sz="7200" dirty="0" smtClean="0"/>
+              <a:t>8 </a:t>
+            </a:r>
+            <a:r>
+              <a:rPr lang="pl-PL" sz="7200" dirty="0" smtClean="0"/>
+              <a:t>slajd</a:t>
+            </a:r>
+            <a:endParaRPr lang="pl-PL" sz="7200" dirty="0"/>
+          </a:p>
+        </p:txBody>
+      </p:sp>
+      <p:sp>
+        <p:nvSpPr>
+          <p:cNvPr id="3" name="Symbol zastępczy zawartości 2"/>
+          <p:cNvSpPr>
+            <a:spLocks noGrp="1"/>
+          </p:cNvSpPr>
+          <p:nvPr>
+            <p:ph idx="1"/>
+          </p:nvPr>
+        </p:nvSpPr>
+        <p:spPr/>
+        <p:txBody>
+          <a:bodyPr/>
+          <a:lstStyle/>
+          <a:p>
+            <a:endParaRPr lang="pl-PL"/>
+          </a:p>
+        </p:txBody>
+      </p:sp>
+    </p:spTree>
+  </p:cSld>
+  <p:clrMapOvr>
+    <a:masterClrMapping/>
+  </p:clrMapOvr>
+</p:sld>
+</file>
+
+<file path=ppt/slides/slide9.xml><?xml version="1.0" encoding="utf-8"?>
+<p:sld xmlns:a="http://schemas.openxmlformats.org/drawingml/2006/main" xmlns:r="http://schemas.openxmlformats.org/officeDocument/2006/relationships" xmlns:p="http://schemas.openxmlformats.org/presentationml/2006/main">
+  <p:cSld>
+    <p:spTree>
+      <p:nvGrpSpPr>
+        <p:cNvPr id="1" name=""/>
+        <p:cNvGrpSpPr/>
+        <p:nvPr/>
+      </p:nvGrpSpPr>
+      <p:grpSpPr>
+        <a:xfrm>
+          <a:off x="0" y="0"/>
+          <a:ext cx="0" cy="0"/>
+          <a:chOff x="0" y="0"/>
+          <a:chExt cx="0" cy="0"/>
+        </a:xfrm>
+      </p:grpSpPr>
+      <p:sp>
+        <p:nvSpPr>
+          <p:cNvPr id="2" name="Tytuł 1"/>
+          <p:cNvSpPr>
+            <a:spLocks noGrp="1"/>
+          </p:cNvSpPr>
+          <p:nvPr>
+            <p:ph type="title"/>
+          </p:nvPr>
+        </p:nvSpPr>
+        <p:spPr/>
+        <p:txBody>
+          <a:bodyPr>
+            <a:noAutofit/>
+          </a:bodyPr>
+          <a:lstStyle/>
+          <a:p>
+            <a:r>
+              <a:rPr lang="pl-PL" sz="7200" dirty="0" smtClean="0"/>
+              <a:t>9 </a:t>
+            </a:r>
+            <a:r>
+              <a:rPr lang="pl-PL" sz="7200" dirty="0" smtClean="0"/>
+              <a:t>slajd</a:t>
+            </a:r>
+            <a:endParaRPr lang="pl-PL" sz="7200" dirty="0"/>
           </a:p>
         </p:txBody>
       </p:sp>
